--- a/PPT/DataScience11-MachineLearning.pptx
+++ b/PPT/DataScience11-MachineLearning.pptx
@@ -3981,6 +3981,13 @@
   <p:clrMapOvr>
     <a:masterClrMapping/>
   </p:clrMapOvr>
+  <p:timing>
+    <p:tnLst>
+      <p:par>
+        <p:cTn id="1" dur="indefinite" restart="never" nodeType="tmRoot"/>
+      </p:par>
+    </p:tnLst>
+  </p:timing>
 </p:sld>
 </file>
 
@@ -4101,6 +4108,13 @@
   <p:clrMapOvr>
     <a:masterClrMapping/>
   </p:clrMapOvr>
+  <p:timing>
+    <p:tnLst>
+      <p:par>
+        <p:cTn id="1" dur="indefinite" restart="never" nodeType="tmRoot"/>
+      </p:par>
+    </p:tnLst>
+  </p:timing>
 </p:sld>
 </file>
 
@@ -4229,6 +4243,13 @@
   <p:clrMapOvr>
     <a:masterClrMapping/>
   </p:clrMapOvr>
+  <p:timing>
+    <p:tnLst>
+      <p:par>
+        <p:cTn id="1" dur="indefinite" restart="never" nodeType="tmRoot"/>
+      </p:par>
+    </p:tnLst>
+  </p:timing>
 </p:sld>
 </file>
 
@@ -4346,6 +4367,13 @@
   <p:clrMapOvr>
     <a:masterClrMapping/>
   </p:clrMapOvr>
+  <p:timing>
+    <p:tnLst>
+      <p:par>
+        <p:cTn id="1" dur="indefinite" restart="never" nodeType="tmRoot"/>
+      </p:par>
+    </p:tnLst>
+  </p:timing>
 </p:sld>
 </file>
 
@@ -4546,6 +4574,13 @@
   <p:clrMapOvr>
     <a:masterClrMapping/>
   </p:clrMapOvr>
+  <p:timing>
+    <p:tnLst>
+      <p:par>
+        <p:cTn id="1" dur="indefinite" restart="never" nodeType="tmRoot"/>
+      </p:par>
+    </p:tnLst>
+  </p:timing>
 </p:sld>
 </file>
 
@@ -4716,6 +4751,13 @@
   <p:clrMapOvr>
     <a:masterClrMapping/>
   </p:clrMapOvr>
+  <p:timing>
+    <p:tnLst>
+      <p:par>
+        <p:cTn id="1" dur="indefinite" restart="never" nodeType="tmRoot"/>
+      </p:par>
+    </p:tnLst>
+  </p:timing>
 </p:sld>
 </file>
 
@@ -4880,6 +4922,13 @@
   <p:clrMapOvr>
     <a:masterClrMapping/>
   </p:clrMapOvr>
+  <p:timing>
+    <p:tnLst>
+      <p:par>
+        <p:cTn id="1" dur="indefinite" restart="never" nodeType="tmRoot"/>
+      </p:par>
+    </p:tnLst>
+  </p:timing>
 </p:sld>
 </file>
 
@@ -4976,6 +5025,13 @@
   <p:clrMapOvr>
     <a:masterClrMapping/>
   </p:clrMapOvr>
+  <p:timing>
+    <p:tnLst>
+      <p:par>
+        <p:cTn id="1" dur="indefinite" restart="never" nodeType="tmRoot"/>
+      </p:par>
+    </p:tnLst>
+  </p:timing>
 </p:sld>
 </file>
 
@@ -5105,6 +5161,13 @@
   <p:clrMapOvr>
     <a:masterClrMapping/>
   </p:clrMapOvr>
+  <p:timing>
+    <p:tnLst>
+      <p:par>
+        <p:cTn id="1" dur="indefinite" restart="never" nodeType="tmRoot"/>
+      </p:par>
+    </p:tnLst>
+  </p:timing>
 </p:sld>
 </file>
 
@@ -5249,6 +5312,13 @@
   <p:clrMapOvr>
     <a:masterClrMapping/>
   </p:clrMapOvr>
+  <p:timing>
+    <p:tnLst>
+      <p:par>
+        <p:cTn id="1" dur="indefinite" restart="never" nodeType="tmRoot"/>
+      </p:par>
+    </p:tnLst>
+  </p:timing>
 </p:sld>
 </file>
 
@@ -5345,6 +5415,13 @@
   <p:clrMapOvr>
     <a:masterClrMapping/>
   </p:clrMapOvr>
+  <p:timing>
+    <p:tnLst>
+      <p:par>
+        <p:cTn id="1" dur="indefinite" restart="never" nodeType="tmRoot"/>
+      </p:par>
+    </p:tnLst>
+  </p:timing>
 </p:sld>
 </file>
 
@@ -5492,6 +5569,13 @@
   <p:clrMapOvr>
     <a:masterClrMapping/>
   </p:clrMapOvr>
+  <p:timing>
+    <p:tnLst>
+      <p:par>
+        <p:cTn id="1" dur="indefinite" restart="never" nodeType="tmRoot"/>
+      </p:par>
+    </p:tnLst>
+  </p:timing>
 </p:sld>
 </file>
 
@@ -5600,6 +5684,13 @@
   <p:clrMapOvr>
     <a:masterClrMapping/>
   </p:clrMapOvr>
+  <p:timing>
+    <p:tnLst>
+      <p:par>
+        <p:cTn id="1" dur="indefinite" restart="never" nodeType="tmRoot"/>
+      </p:par>
+    </p:tnLst>
+  </p:timing>
 </p:sld>
 </file>
 
@@ -5766,6 +5857,13 @@
   <p:clrMapOvr>
     <a:masterClrMapping/>
   </p:clrMapOvr>
+  <p:timing>
+    <p:tnLst>
+      <p:par>
+        <p:cTn id="1" dur="indefinite" restart="never" nodeType="tmRoot"/>
+      </p:par>
+    </p:tnLst>
+  </p:timing>
 </p:sld>
 </file>
 
@@ -5872,6 +5970,13 @@
   <p:clrMapOvr>
     <a:masterClrMapping/>
   </p:clrMapOvr>
+  <p:timing>
+    <p:tnLst>
+      <p:par>
+        <p:cTn id="1" dur="indefinite" restart="never" nodeType="tmRoot"/>
+      </p:par>
+    </p:tnLst>
+  </p:timing>
 </p:sld>
 </file>
 
@@ -6000,6 +6105,13 @@
   <p:clrMapOvr>
     <a:masterClrMapping/>
   </p:clrMapOvr>
+  <p:timing>
+    <p:tnLst>
+      <p:par>
+        <p:cTn id="1" dur="indefinite" restart="never" nodeType="tmRoot"/>
+      </p:par>
+    </p:tnLst>
+  </p:timing>
 </p:sld>
 </file>
 
@@ -6096,6 +6208,13 @@
   <p:clrMapOvr>
     <a:masterClrMapping/>
   </p:clrMapOvr>
+  <p:timing>
+    <p:tnLst>
+      <p:par>
+        <p:cTn id="1" dur="indefinite" restart="never" nodeType="tmRoot"/>
+      </p:par>
+    </p:tnLst>
+  </p:timing>
 </p:sld>
 </file>
 
@@ -6192,6 +6311,13 @@
   <p:clrMapOvr>
     <a:masterClrMapping/>
   </p:clrMapOvr>
+  <p:timing>
+    <p:tnLst>
+      <p:par>
+        <p:cTn id="1" dur="indefinite" restart="never" nodeType="tmRoot"/>
+      </p:par>
+    </p:tnLst>
+  </p:timing>
 </p:sld>
 </file>
 
@@ -6340,6 +6466,13 @@
   <p:clrMapOvr>
     <a:masterClrMapping/>
   </p:clrMapOvr>
+  <p:timing>
+    <p:tnLst>
+      <p:par>
+        <p:cTn id="1" dur="indefinite" restart="never" nodeType="tmRoot"/>
+      </p:par>
+    </p:tnLst>
+  </p:timing>
 </p:sld>
 </file>
 
@@ -6454,6 +6587,13 @@
   <p:clrMapOvr>
     <a:masterClrMapping/>
   </p:clrMapOvr>
+  <p:timing>
+    <p:tnLst>
+      <p:par>
+        <p:cTn id="1" dur="indefinite" restart="never" nodeType="tmRoot"/>
+      </p:par>
+    </p:tnLst>
+  </p:timing>
 </p:sld>
 </file>
 
@@ -6605,6 +6745,13 @@
   <p:clrMapOvr>
     <a:masterClrMapping/>
   </p:clrMapOvr>
+  <p:timing>
+    <p:tnLst>
+      <p:par>
+        <p:cTn id="1" dur="indefinite" restart="never" nodeType="tmRoot"/>
+      </p:par>
+    </p:tnLst>
+  </p:timing>
 </p:sld>
 </file>
 
@@ -6727,6 +6874,13 @@
   <p:clrMapOvr>
     <a:masterClrMapping/>
   </p:clrMapOvr>
+  <p:timing>
+    <p:tnLst>
+      <p:par>
+        <p:cTn id="1" dur="indefinite" restart="never" nodeType="tmRoot"/>
+      </p:par>
+    </p:tnLst>
+  </p:timing>
 </p:sld>
 </file>
 
@@ -6809,6 +6963,13 @@
   <p:clrMapOvr>
     <a:masterClrMapping/>
   </p:clrMapOvr>
+  <p:timing>
+    <p:tnLst>
+      <p:par>
+        <p:cTn id="1" dur="indefinite" restart="never" nodeType="tmRoot"/>
+      </p:par>
+    </p:tnLst>
+  </p:timing>
 </p:sld>
 </file>
 
@@ -6965,6 +7126,13 @@
   <p:clrMapOvr>
     <a:masterClrMapping/>
   </p:clrMapOvr>
+  <p:timing>
+    <p:tnLst>
+      <p:par>
+        <p:cTn id="1" dur="indefinite" restart="never" nodeType="tmRoot"/>
+      </p:par>
+    </p:tnLst>
+  </p:timing>
 </p:sld>
 </file>
 
@@ -7047,6 +7215,13 @@
   <p:clrMapOvr>
     <a:masterClrMapping/>
   </p:clrMapOvr>
+  <p:timing>
+    <p:tnLst>
+      <p:par>
+        <p:cTn id="1" dur="indefinite" restart="never" nodeType="tmRoot"/>
+      </p:par>
+    </p:tnLst>
+  </p:timing>
 </p:sld>
 </file>
 
@@ -7212,6 +7387,13 @@
   <p:clrMapOvr>
     <a:masterClrMapping/>
   </p:clrMapOvr>
+  <p:timing>
+    <p:tnLst>
+      <p:par>
+        <p:cTn id="1" dur="indefinite" restart="never" nodeType="tmRoot"/>
+      </p:par>
+    </p:tnLst>
+  </p:timing>
 </p:sld>
 </file>
 
@@ -7329,6 +7511,13 @@
   <p:clrMapOvr>
     <a:masterClrMapping/>
   </p:clrMapOvr>
+  <p:timing>
+    <p:tnLst>
+      <p:par>
+        <p:cTn id="1" dur="indefinite" restart="never" nodeType="tmRoot"/>
+      </p:par>
+    </p:tnLst>
+  </p:timing>
 </p:sld>
 </file>
 
@@ -7448,6 +7637,13 @@
   <p:clrMapOvr>
     <a:masterClrMapping/>
   </p:clrMapOvr>
+  <p:timing>
+    <p:tnLst>
+      <p:par>
+        <p:cTn id="1" dur="indefinite" restart="never" nodeType="tmRoot"/>
+      </p:par>
+    </p:tnLst>
+  </p:timing>
 </p:sld>
 </file>
 
@@ -7544,6 +7740,13 @@
   <p:clrMapOvr>
     <a:masterClrMapping/>
   </p:clrMapOvr>
+  <p:timing>
+    <p:tnLst>
+      <p:par>
+        <p:cTn id="1" dur="indefinite" restart="never" nodeType="tmRoot"/>
+      </p:par>
+    </p:tnLst>
+  </p:timing>
 </p:sld>
 </file>
 
@@ -7580,16 +7783,16 @@
           <a:lstStyle/>
           <a:p>
             <a:r>
-              <a:rPr lang="fr-FR" dirty="0" smtClean="0"/>
+              <a:rPr lang="fr-FR" smtClean="0"/>
               <a:t>No </a:t>
             </a:r>
             <a:r>
-              <a:rPr lang="fr-FR" dirty="0" err="1" smtClean="0"/>
-              <a:t>Fee</a:t>
-            </a:r>
-            <a:r>
-              <a:rPr lang="fr-FR" dirty="0" smtClean="0"/>
-              <a:t> Lunch</a:t>
+              <a:rPr lang="fr-FR" smtClean="0"/>
+              <a:t>Free </a:t>
+            </a:r>
+            <a:r>
+              <a:rPr lang="fr-FR" dirty="0" smtClean="0"/>
+              <a:t>Lunch</a:t>
             </a:r>
             <a:endParaRPr lang="fr-FR" dirty="0"/>
           </a:p>
@@ -7690,6 +7893,13 @@
   <p:clrMapOvr>
     <a:masterClrMapping/>
   </p:clrMapOvr>
+  <p:timing>
+    <p:tnLst>
+      <p:par>
+        <p:cTn id="1" dur="indefinite" restart="never" nodeType="tmRoot"/>
+      </p:par>
+    </p:tnLst>
+  </p:timing>
 </p:sld>
 </file>
 
@@ -7769,6 +7979,13 @@
   <p:clrMapOvr>
     <a:masterClrMapping/>
   </p:clrMapOvr>
+  <p:timing>
+    <p:tnLst>
+      <p:par>
+        <p:cTn id="1" dur="indefinite" restart="never" nodeType="tmRoot"/>
+      </p:par>
+    </p:tnLst>
+  </p:timing>
 </p:sld>
 </file>
 
@@ -7964,6 +8181,13 @@
   <p:clrMapOvr>
     <a:masterClrMapping/>
   </p:clrMapOvr>
+  <p:timing>
+    <p:tnLst>
+      <p:par>
+        <p:cTn id="1" dur="indefinite" restart="never" nodeType="tmRoot"/>
+      </p:par>
+    </p:tnLst>
+  </p:timing>
 </p:sld>
 </file>
 
@@ -8081,6 +8305,13 @@
   <p:clrMapOvr>
     <a:masterClrMapping/>
   </p:clrMapOvr>
+  <p:timing>
+    <p:tnLst>
+      <p:par>
+        <p:cTn id="1" dur="indefinite" restart="never" nodeType="tmRoot"/>
+      </p:par>
+    </p:tnLst>
+  </p:timing>
 </p:sld>
 </file>
 
@@ -8273,6 +8504,13 @@
   <p:clrMapOvr>
     <a:masterClrMapping/>
   </p:clrMapOvr>
+  <p:timing>
+    <p:tnLst>
+      <p:par>
+        <p:cTn id="1" dur="indefinite" restart="never" nodeType="tmRoot"/>
+      </p:par>
+    </p:tnLst>
+  </p:timing>
 </p:sld>
 </file>
 
@@ -8378,6 +8616,13 @@
   <p:clrMapOvr>
     <a:masterClrMapping/>
   </p:clrMapOvr>
+  <p:timing>
+    <p:tnLst>
+      <p:par>
+        <p:cTn id="1" dur="indefinite" restart="never" nodeType="tmRoot"/>
+      </p:par>
+    </p:tnLst>
+  </p:timing>
 </p:sld>
 </file>
 
@@ -8502,6 +8747,13 @@
   <p:clrMapOvr>
     <a:masterClrMapping/>
   </p:clrMapOvr>
+  <p:timing>
+    <p:tnLst>
+      <p:par>
+        <p:cTn id="1" dur="indefinite" restart="never" nodeType="tmRoot"/>
+      </p:par>
+    </p:tnLst>
+  </p:timing>
 </p:sld>
 </file>
 
@@ -8649,6 +8901,13 @@
   <p:clrMapOvr>
     <a:masterClrMapping/>
   </p:clrMapOvr>
+  <p:timing>
+    <p:tnLst>
+      <p:par>
+        <p:cTn id="1" dur="indefinite" restart="never" nodeType="tmRoot"/>
+      </p:par>
+    </p:tnLst>
+  </p:timing>
 </p:sld>
 </file>
 
@@ -8769,6 +9028,13 @@
   <p:clrMapOvr>
     <a:masterClrMapping/>
   </p:clrMapOvr>
+  <p:timing>
+    <p:tnLst>
+      <p:par>
+        <p:cTn id="1" dur="indefinite" restart="never" nodeType="tmRoot"/>
+      </p:par>
+    </p:tnLst>
+  </p:timing>
 </p:sld>
 </file>
 
@@ -8944,6 +9210,13 @@
   <p:clrMapOvr>
     <a:masterClrMapping/>
   </p:clrMapOvr>
+  <p:timing>
+    <p:tnLst>
+      <p:par>
+        <p:cTn id="1" dur="indefinite" restart="never" nodeType="tmRoot"/>
+      </p:par>
+    </p:tnLst>
+  </p:timing>
 </p:sld>
 </file>
 
@@ -9023,6 +9296,13 @@
   <p:clrMapOvr>
     <a:masterClrMapping/>
   </p:clrMapOvr>
+  <p:timing>
+    <p:tnLst>
+      <p:par>
+        <p:cTn id="1" dur="indefinite" restart="never" nodeType="tmRoot"/>
+      </p:par>
+    </p:tnLst>
+  </p:timing>
 </p:sld>
 </file>
 
@@ -9166,6 +9446,13 @@
   <p:clrMapOvr>
     <a:masterClrMapping/>
   </p:clrMapOvr>
+  <p:timing>
+    <p:tnLst>
+      <p:par>
+        <p:cTn id="1" dur="indefinite" restart="never" nodeType="tmRoot"/>
+      </p:par>
+    </p:tnLst>
+  </p:timing>
 </p:sld>
 </file>
 
@@ -9283,6 +9570,13 @@
   <p:clrMapOvr>
     <a:masterClrMapping/>
   </p:clrMapOvr>
+  <p:timing>
+    <p:tnLst>
+      <p:par>
+        <p:cTn id="1" dur="indefinite" restart="never" nodeType="tmRoot"/>
+      </p:par>
+    </p:tnLst>
+  </p:timing>
 </p:sld>
 </file>
 
@@ -9400,6 +9694,13 @@
   <p:clrMapOvr>
     <a:masterClrMapping/>
   </p:clrMapOvr>
+  <p:timing>
+    <p:tnLst>
+      <p:par>
+        <p:cTn id="1" dur="indefinite" restart="never" nodeType="tmRoot"/>
+      </p:par>
+    </p:tnLst>
+  </p:timing>
 </p:sld>
 </file>
 
@@ -9517,6 +9818,13 @@
   <p:clrMapOvr>
     <a:masterClrMapping/>
   </p:clrMapOvr>
+  <p:timing>
+    <p:tnLst>
+      <p:par>
+        <p:cTn id="1" dur="indefinite" restart="never" nodeType="tmRoot"/>
+      </p:par>
+    </p:tnLst>
+  </p:timing>
 </p:sld>
 </file>
 
@@ -9636,6 +9944,13 @@
   <p:clrMapOvr>
     <a:masterClrMapping/>
   </p:clrMapOvr>
+  <p:timing>
+    <p:tnLst>
+      <p:par>
+        <p:cTn id="1" dur="indefinite" restart="never" nodeType="tmRoot"/>
+      </p:par>
+    </p:tnLst>
+  </p:timing>
 </p:sld>
 </file>
 
@@ -9777,6 +10092,13 @@
   <p:clrMapOvr>
     <a:masterClrMapping/>
   </p:clrMapOvr>
+  <p:timing>
+    <p:tnLst>
+      <p:par>
+        <p:cTn id="1" dur="indefinite" restart="never" nodeType="tmRoot"/>
+      </p:par>
+    </p:tnLst>
+  </p:timing>
 </p:sld>
 </file>
 
